--- a/RS/RS_slides.pptx
+++ b/RS/RS_slides.pptx
@@ -5,7 +5,7 @@
     <p:sldMasterId id="2147483648" r:id="rId1"/>
   </p:sldMasterIdLst>
   <p:notesMasterIdLst>
-    <p:notesMasterId r:id="rId7"/>
+    <p:notesMasterId r:id="rId11"/>
   </p:notesMasterIdLst>
   <p:sldIdLst>
     <p:sldId id="256" r:id="rId2"/>
@@ -13,6 +13,10 @@
     <p:sldId id="258" r:id="rId4"/>
     <p:sldId id="259" r:id="rId5"/>
     <p:sldId id="260" r:id="rId6"/>
+    <p:sldId id="261" r:id="rId7"/>
+    <p:sldId id="262" r:id="rId8"/>
+    <p:sldId id="263" r:id="rId9"/>
+    <p:sldId id="264" r:id="rId10"/>
   </p:sldIdLst>
   <p:sldSz cx="12192000" cy="6858000"/>
   <p:notesSz cx="6858000" cy="9144000"/>
@@ -4414,12 +4418,8 @@
           <a:lstStyle/>
           <a:p>
             <a:r>
-              <a:rPr lang="en-US" dirty="0" err="1"/>
-              <a:t>Youtube</a:t>
-            </a:r>
-            <a:r>
               <a:rPr lang="en-US" dirty="0"/>
-              <a:t> hot videos</a:t>
+              <a:t>YouTube hot videos</a:t>
             </a:r>
           </a:p>
           <a:p>
@@ -4550,7 +4550,10 @@
           <a:bodyPr/>
           <a:lstStyle/>
           <a:p>
-            <a:endParaRPr lang="en-US"/>
+            <a:r>
+              <a:rPr lang="en-US" dirty="0"/>
+              <a:t>Collaborative Filtering</a:t>
+            </a:r>
           </a:p>
         </p:txBody>
       </p:sp>
@@ -4570,12 +4573,36 @@
             <p:ph idx="1"/>
           </p:nvPr>
         </p:nvSpPr>
-        <p:spPr/>
-        <p:txBody>
-          <a:bodyPr/>
-          <a:lstStyle/>
-          <a:p>
-            <a:endParaRPr lang="en-US"/>
+        <p:spPr>
+          <a:xfrm>
+            <a:off x="838200" y="1690688"/>
+            <a:ext cx="10515600" cy="4351338"/>
+          </a:xfrm>
+        </p:spPr>
+        <p:txBody>
+          <a:bodyPr/>
+          <a:lstStyle/>
+          <a:p>
+            <a:r>
+              <a:rPr lang="en-US" dirty="0"/>
+              <a:t>User-User</a:t>
+            </a:r>
+          </a:p>
+          <a:p>
+            <a:pPr lvl="1"/>
+            <a:endParaRPr lang="en-US" dirty="0"/>
+          </a:p>
+          <a:p>
+            <a:endParaRPr lang="en-US" dirty="0"/>
+          </a:p>
+          <a:p>
+            <a:endParaRPr lang="en-US" dirty="0"/>
+          </a:p>
+          <a:p>
+            <a:r>
+              <a:rPr lang="en-US" dirty="0"/>
+              <a:t>Item-Item</a:t>
+            </a:r>
           </a:p>
         </p:txBody>
       </p:sp>
@@ -4636,10 +4663,1045 @@
           </a:p>
         </p:txBody>
       </p:sp>
+      <p:sp>
+        <p:nvSpPr>
+          <p:cNvPr id="7" name="TextBox 6">
+            <a:extLst>
+              <a:ext uri="{FF2B5EF4-FFF2-40B4-BE49-F238E27FC236}">
+                <a16:creationId xmlns:a16="http://schemas.microsoft.com/office/drawing/2014/main" id="{7E368364-6D65-DDF1-7E5B-9C800CD05C95}"/>
+              </a:ext>
+            </a:extLst>
+          </p:cNvPr>
+          <p:cNvSpPr txBox="1"/>
+          <p:nvPr/>
+        </p:nvSpPr>
+        <p:spPr>
+          <a:xfrm>
+            <a:off x="376145" y="6308209"/>
+            <a:ext cx="3093195" cy="369332"/>
+          </a:xfrm>
+          <a:prstGeom prst="rect">
+            <a:avLst/>
+          </a:prstGeom>
+          <a:noFill/>
+        </p:spPr>
+        <p:txBody>
+          <a:bodyPr wrap="square" rtlCol="0">
+            <a:spAutoFit/>
+          </a:bodyPr>
+          <a:lstStyle/>
+          <a:p>
+            <a:r>
+              <a:rPr lang="en-US" dirty="0"/>
+              <a:t>Sources: </a:t>
+            </a:r>
+            <a:r>
+              <a:rPr lang="en-US" dirty="0">
+                <a:hlinkClick r:id="rId2"/>
+              </a:rPr>
+              <a:t>1</a:t>
+            </a:r>
+            <a:r>
+              <a:rPr lang="en-US" dirty="0"/>
+              <a:t>, </a:t>
+            </a:r>
+            <a:r>
+              <a:rPr lang="en-US" dirty="0">
+                <a:hlinkClick r:id="rId3"/>
+              </a:rPr>
+              <a:t>2</a:t>
+            </a:r>
+            <a:endParaRPr lang="en-US" dirty="0"/>
+          </a:p>
+        </p:txBody>
+      </p:sp>
+      <p:pic>
+        <p:nvPicPr>
+          <p:cNvPr id="2050" name="Picture 2" descr="RecommenderSystemsNotebooks/Month 2 Part I - User User Collaborative  Filtering.ipynb at master · caiomiyashiro/RecommenderSystemsNotebooks ·  GitHub">
+            <a:extLst>
+              <a:ext uri="{FF2B5EF4-FFF2-40B4-BE49-F238E27FC236}">
+                <a16:creationId xmlns:a16="http://schemas.microsoft.com/office/drawing/2014/main" id="{A2803F0E-8050-9204-1D4D-D33A5D446B2D}"/>
+              </a:ext>
+            </a:extLst>
+          </p:cNvPr>
+          <p:cNvPicPr>
+            <a:picLocks noChangeAspect="1" noChangeArrowheads="1"/>
+          </p:cNvPicPr>
+          <p:nvPr/>
+        </p:nvPicPr>
+        <p:blipFill>
+          <a:blip r:embed="rId4">
+            <a:extLst>
+              <a:ext uri="{28A0092B-C50C-407E-A947-70E740481C1C}">
+                <a14:useLocalDpi xmlns:a14="http://schemas.microsoft.com/office/drawing/2010/main" val="0"/>
+              </a:ext>
+            </a:extLst>
+          </a:blip>
+          <a:srcRect/>
+          <a:stretch>
+            <a:fillRect/>
+          </a:stretch>
+        </p:blipFill>
+        <p:spPr bwMode="auto">
+          <a:xfrm>
+            <a:off x="7125050" y="1376364"/>
+            <a:ext cx="3760694" cy="2061036"/>
+          </a:xfrm>
+          <a:prstGeom prst="rect">
+            <a:avLst/>
+          </a:prstGeom>
+          <a:noFill/>
+          <a:extLst>
+            <a:ext uri="{909E8E84-426E-40DD-AFC4-6F175D3DCCD1}">
+              <a14:hiddenFill xmlns:a14="http://schemas.microsoft.com/office/drawing/2010/main">
+                <a:solidFill>
+                  <a:srgbClr val="FFFFFF"/>
+                </a:solidFill>
+              </a14:hiddenFill>
+            </a:ext>
+          </a:extLst>
+        </p:spPr>
+      </p:pic>
+      <p:pic>
+        <p:nvPicPr>
+          <p:cNvPr id="2052" name="Picture 4" descr="ITEM-ITEM Collaborative filtering Recommender System in Python | by Ankur  Tomar | Medium">
+            <a:extLst>
+              <a:ext uri="{FF2B5EF4-FFF2-40B4-BE49-F238E27FC236}">
+                <a16:creationId xmlns:a16="http://schemas.microsoft.com/office/drawing/2014/main" id="{EE02DE15-4A6E-E9DD-178B-22306485F904}"/>
+              </a:ext>
+            </a:extLst>
+          </p:cNvPr>
+          <p:cNvPicPr>
+            <a:picLocks noChangeAspect="1" noChangeArrowheads="1"/>
+          </p:cNvPicPr>
+          <p:nvPr/>
+        </p:nvPicPr>
+        <p:blipFill>
+          <a:blip r:embed="rId5">
+            <a:extLst>
+              <a:ext uri="{28A0092B-C50C-407E-A947-70E740481C1C}">
+                <a14:useLocalDpi xmlns:a14="http://schemas.microsoft.com/office/drawing/2010/main" val="0"/>
+              </a:ext>
+            </a:extLst>
+          </a:blip>
+          <a:srcRect/>
+          <a:stretch>
+            <a:fillRect/>
+          </a:stretch>
+        </p:blipFill>
+        <p:spPr bwMode="auto">
+          <a:xfrm>
+            <a:off x="7792549" y="3867551"/>
+            <a:ext cx="3093195" cy="2440658"/>
+          </a:xfrm>
+          <a:prstGeom prst="rect">
+            <a:avLst/>
+          </a:prstGeom>
+          <a:noFill/>
+          <a:extLst>
+            <a:ext uri="{909E8E84-426E-40DD-AFC4-6F175D3DCCD1}">
+              <a14:hiddenFill xmlns:a14="http://schemas.microsoft.com/office/drawing/2010/main">
+                <a:solidFill>
+                  <a:srgbClr val="FFFFFF"/>
+                </a:solidFill>
+              </a14:hiddenFill>
+            </a:ext>
+          </a:extLst>
+        </p:spPr>
+      </p:pic>
     </p:spTree>
     <p:extLst>
       <p:ext uri="{BB962C8B-B14F-4D97-AF65-F5344CB8AC3E}">
         <p14:creationId xmlns:p14="http://schemas.microsoft.com/office/powerpoint/2010/main" val="2032434496"/>
+      </p:ext>
+    </p:extLst>
+  </p:cSld>
+  <p:clrMapOvr>
+    <a:masterClrMapping/>
+  </p:clrMapOvr>
+</p:sld>
+</file>
+
+<file path=ppt/slides/slide6.xml><?xml version="1.0" encoding="utf-8"?>
+<p:sld xmlns:a="http://schemas.openxmlformats.org/drawingml/2006/main" xmlns:r="http://schemas.openxmlformats.org/officeDocument/2006/relationships" xmlns:p="http://schemas.openxmlformats.org/presentationml/2006/main">
+  <p:cSld>
+    <p:spTree>
+      <p:nvGrpSpPr>
+        <p:cNvPr id="1" name=""/>
+        <p:cNvGrpSpPr/>
+        <p:nvPr/>
+      </p:nvGrpSpPr>
+      <p:grpSpPr>
+        <a:xfrm>
+          <a:off x="0" y="0"/>
+          <a:ext cx="0" cy="0"/>
+          <a:chOff x="0" y="0"/>
+          <a:chExt cx="0" cy="0"/>
+        </a:xfrm>
+      </p:grpSpPr>
+      <p:sp>
+        <p:nvSpPr>
+          <p:cNvPr id="2" name="Title 1">
+            <a:extLst>
+              <a:ext uri="{FF2B5EF4-FFF2-40B4-BE49-F238E27FC236}">
+                <a16:creationId xmlns:a16="http://schemas.microsoft.com/office/drawing/2014/main" id="{C623D2C4-5B29-59AB-7BAC-A60A7F95F34D}"/>
+              </a:ext>
+            </a:extLst>
+          </p:cNvPr>
+          <p:cNvSpPr>
+            <a:spLocks noGrp="1"/>
+          </p:cNvSpPr>
+          <p:nvPr>
+            <p:ph type="title"/>
+          </p:nvPr>
+        </p:nvSpPr>
+        <p:spPr/>
+        <p:txBody>
+          <a:bodyPr/>
+          <a:lstStyle/>
+          <a:p>
+            <a:r>
+              <a:rPr lang="en-US" dirty="0"/>
+              <a:t>Collaborative Filtering</a:t>
+            </a:r>
+          </a:p>
+        </p:txBody>
+      </p:sp>
+      <p:sp>
+        <p:nvSpPr>
+          <p:cNvPr id="3" name="Content Placeholder 2">
+            <a:extLst>
+              <a:ext uri="{FF2B5EF4-FFF2-40B4-BE49-F238E27FC236}">
+                <a16:creationId xmlns:a16="http://schemas.microsoft.com/office/drawing/2014/main" id="{831FC5D1-5004-79A7-05E9-A3E4543EE6EA}"/>
+              </a:ext>
+            </a:extLst>
+          </p:cNvPr>
+          <p:cNvSpPr>
+            <a:spLocks noGrp="1"/>
+          </p:cNvSpPr>
+          <p:nvPr>
+            <p:ph idx="1"/>
+          </p:nvPr>
+        </p:nvSpPr>
+        <p:spPr/>
+        <p:txBody>
+          <a:bodyPr/>
+          <a:lstStyle/>
+          <a:p>
+            <a:r>
+              <a:rPr lang="en-US" dirty="0"/>
+              <a:t>Advantages</a:t>
+            </a:r>
+          </a:p>
+          <a:p>
+            <a:pPr lvl="1"/>
+            <a:r>
+              <a:rPr lang="en-US" dirty="0"/>
+              <a:t>Personalized</a:t>
+            </a:r>
+          </a:p>
+          <a:p>
+            <a:pPr lvl="1"/>
+            <a:r>
+              <a:rPr lang="en-US" dirty="0"/>
+              <a:t>Only requires the interaction matrix</a:t>
+            </a:r>
+          </a:p>
+          <a:p>
+            <a:pPr lvl="1"/>
+            <a:r>
+              <a:rPr lang="en-US" dirty="0"/>
+              <a:t>Relatively fast</a:t>
+            </a:r>
+          </a:p>
+          <a:p>
+            <a:endParaRPr lang="en-US" dirty="0"/>
+          </a:p>
+          <a:p>
+            <a:r>
+              <a:rPr lang="en-US" dirty="0"/>
+              <a:t>Disadvantages</a:t>
+            </a:r>
+          </a:p>
+          <a:p>
+            <a:pPr lvl="1"/>
+            <a:r>
+              <a:rPr lang="en-US" dirty="0"/>
+              <a:t>Cold start problem</a:t>
+            </a:r>
+          </a:p>
+          <a:p>
+            <a:pPr marL="457200" lvl="1" indent="0">
+              <a:buNone/>
+            </a:pPr>
+            <a:endParaRPr lang="en-US" dirty="0"/>
+          </a:p>
+        </p:txBody>
+      </p:sp>
+      <p:sp>
+        <p:nvSpPr>
+          <p:cNvPr id="4" name="Footer Placeholder 3">
+            <a:extLst>
+              <a:ext uri="{FF2B5EF4-FFF2-40B4-BE49-F238E27FC236}">
+                <a16:creationId xmlns:a16="http://schemas.microsoft.com/office/drawing/2014/main" id="{64B87A08-891A-40EB-CE22-EE4BA5D1559E}"/>
+              </a:ext>
+            </a:extLst>
+          </p:cNvPr>
+          <p:cNvSpPr>
+            <a:spLocks noGrp="1"/>
+          </p:cNvSpPr>
+          <p:nvPr>
+            <p:ph type="ftr" sz="quarter" idx="11"/>
+          </p:nvPr>
+        </p:nvSpPr>
+        <p:spPr/>
+        <p:txBody>
+          <a:bodyPr/>
+          <a:lstStyle/>
+          <a:p>
+            <a:r>
+              <a:rPr lang="en-US"/>
+              <a:t>Davood Wadi</a:t>
+            </a:r>
+          </a:p>
+        </p:txBody>
+      </p:sp>
+      <p:sp>
+        <p:nvSpPr>
+          <p:cNvPr id="5" name="Slide Number Placeholder 4">
+            <a:extLst>
+              <a:ext uri="{FF2B5EF4-FFF2-40B4-BE49-F238E27FC236}">
+                <a16:creationId xmlns:a16="http://schemas.microsoft.com/office/drawing/2014/main" id="{1D95E4CC-26FB-1EB7-9A67-03D35CD6FFAA}"/>
+              </a:ext>
+            </a:extLst>
+          </p:cNvPr>
+          <p:cNvSpPr>
+            <a:spLocks noGrp="1"/>
+          </p:cNvSpPr>
+          <p:nvPr>
+            <p:ph type="sldNum" sz="quarter" idx="12"/>
+          </p:nvPr>
+        </p:nvSpPr>
+        <p:spPr/>
+        <p:txBody>
+          <a:bodyPr/>
+          <a:lstStyle/>
+          <a:p>
+            <a:fld id="{3675ED69-EEF9-2244-A839-9AD338E45078}" type="slidenum">
+              <a:rPr lang="en-US" smtClean="0"/>
+              <a:t>6</a:t>
+            </a:fld>
+            <a:endParaRPr lang="en-US"/>
+          </a:p>
+        </p:txBody>
+      </p:sp>
+    </p:spTree>
+    <p:extLst>
+      <p:ext uri="{BB962C8B-B14F-4D97-AF65-F5344CB8AC3E}">
+        <p14:creationId xmlns:p14="http://schemas.microsoft.com/office/powerpoint/2010/main" val="2541228909"/>
+      </p:ext>
+    </p:extLst>
+  </p:cSld>
+  <p:clrMapOvr>
+    <a:masterClrMapping/>
+  </p:clrMapOvr>
+</p:sld>
+</file>
+
+<file path=ppt/slides/slide7.xml><?xml version="1.0" encoding="utf-8"?>
+<p:sld xmlns:a="http://schemas.openxmlformats.org/drawingml/2006/main" xmlns:r="http://schemas.openxmlformats.org/officeDocument/2006/relationships" xmlns:p="http://schemas.openxmlformats.org/presentationml/2006/main">
+  <p:cSld>
+    <p:spTree>
+      <p:nvGrpSpPr>
+        <p:cNvPr id="1" name=""/>
+        <p:cNvGrpSpPr/>
+        <p:nvPr/>
+      </p:nvGrpSpPr>
+      <p:grpSpPr>
+        <a:xfrm>
+          <a:off x="0" y="0"/>
+          <a:ext cx="0" cy="0"/>
+          <a:chOff x="0" y="0"/>
+          <a:chExt cx="0" cy="0"/>
+        </a:xfrm>
+      </p:grpSpPr>
+      <p:sp>
+        <p:nvSpPr>
+          <p:cNvPr id="2" name="Title 1">
+            <a:extLst>
+              <a:ext uri="{FF2B5EF4-FFF2-40B4-BE49-F238E27FC236}">
+                <a16:creationId xmlns:a16="http://schemas.microsoft.com/office/drawing/2014/main" id="{B3599444-D649-D3AD-25CC-8850F7A0DD72}"/>
+              </a:ext>
+            </a:extLst>
+          </p:cNvPr>
+          <p:cNvSpPr>
+            <a:spLocks noGrp="1"/>
+          </p:cNvSpPr>
+          <p:nvPr>
+            <p:ph type="title"/>
+          </p:nvPr>
+        </p:nvSpPr>
+        <p:spPr/>
+        <p:txBody>
+          <a:bodyPr/>
+          <a:lstStyle/>
+          <a:p>
+            <a:r>
+              <a:rPr lang="en-US" dirty="0"/>
+              <a:t>Matrix Factorization</a:t>
+            </a:r>
+          </a:p>
+        </p:txBody>
+      </p:sp>
+      <mc:AlternateContent xmlns:mc="http://schemas.openxmlformats.org/markup-compatibility/2006">
+        <mc:Choice xmlns:a14="http://schemas.microsoft.com/office/drawing/2010/main" Requires="a14">
+          <p:sp>
+            <p:nvSpPr>
+              <p:cNvPr id="3" name="Content Placeholder 2">
+                <a:extLst>
+                  <a:ext uri="{FF2B5EF4-FFF2-40B4-BE49-F238E27FC236}">
+                    <a16:creationId xmlns:a16="http://schemas.microsoft.com/office/drawing/2014/main" id="{9FD97F17-4A1A-29C4-3786-D2E731027219}"/>
+                  </a:ext>
+                </a:extLst>
+              </p:cNvPr>
+              <p:cNvSpPr>
+                <a:spLocks noGrp="1"/>
+              </p:cNvSpPr>
+              <p:nvPr>
+                <p:ph idx="1"/>
+              </p:nvPr>
+            </p:nvSpPr>
+            <p:spPr/>
+            <p:txBody>
+              <a:bodyPr/>
+              <a:lstStyle/>
+              <a:p>
+                <a:r>
+                  <a:rPr lang="en-US" dirty="0"/>
+                  <a:t>Same technique used in PCA to calculate principal components</a:t>
+                </a:r>
+              </a:p>
+              <a:p>
+                <a:r>
+                  <a:rPr lang="en-US" dirty="0"/>
+                  <a:t>Can learn latent features (embeddings) for users and items</a:t>
+                </a:r>
+              </a:p>
+              <a:p>
+                <a:r>
+                  <a:rPr lang="en-US" dirty="0"/>
+                  <a:t>Singular Value Decomposition (SVD):</a:t>
+                </a:r>
+              </a:p>
+              <a:p>
+                <a:pPr lvl="1"/>
+                <a14:m>
+                  <m:oMath xmlns:m="http://schemas.openxmlformats.org/officeDocument/2006/math">
+                    <m:r>
+                      <a:rPr lang="en-US" b="0" i="1" smtClean="0">
+                        <a:latin typeface="Cambria Math" panose="02040503050406030204" pitchFamily="18" charset="0"/>
+                      </a:rPr>
+                      <m:t>𝐴</m:t>
+                    </m:r>
+                    <m:r>
+                      <a:rPr lang="en-US" b="0" i="1" smtClean="0">
+                        <a:latin typeface="Cambria Math" panose="02040503050406030204" pitchFamily="18" charset="0"/>
+                      </a:rPr>
+                      <m:t>=</m:t>
+                    </m:r>
+                    <m:r>
+                      <a:rPr lang="en-US" b="0" i="1" smtClean="0">
+                        <a:latin typeface="Cambria Math" panose="02040503050406030204" pitchFamily="18" charset="0"/>
+                      </a:rPr>
+                      <m:t>𝑈</m:t>
+                    </m:r>
+                    <m:r>
+                      <a:rPr lang="en-US" b="0" i="1" smtClean="0">
+                        <a:latin typeface="Cambria Math" panose="02040503050406030204" pitchFamily="18" charset="0"/>
+                      </a:rPr>
+                      <m:t> </m:t>
+                    </m:r>
+                    <m:r>
+                      <m:rPr>
+                        <m:sty m:val="p"/>
+                      </m:rPr>
+                      <a:rPr lang="en-US" b="0" i="0" smtClean="0">
+                        <a:latin typeface="Cambria Math" panose="02040503050406030204" pitchFamily="18" charset="0"/>
+                      </a:rPr>
+                      <m:t>Σ</m:t>
+                    </m:r>
+                    <m:r>
+                      <a:rPr lang="en-US" b="0" i="1" smtClean="0">
+                        <a:latin typeface="Cambria Math" panose="02040503050406030204" pitchFamily="18" charset="0"/>
+                      </a:rPr>
+                      <m:t> </m:t>
+                    </m:r>
+                    <m:sSup>
+                      <m:sSupPr>
+                        <m:ctrlPr>
+                          <a:rPr lang="en-US" b="0" i="1" smtClean="0">
+                            <a:latin typeface="Cambria Math" panose="02040503050406030204" pitchFamily="18" charset="0"/>
+                          </a:rPr>
+                        </m:ctrlPr>
+                      </m:sSupPr>
+                      <m:e>
+                        <m:r>
+                          <a:rPr lang="en-US" b="0" i="1" smtClean="0">
+                            <a:latin typeface="Cambria Math" panose="02040503050406030204" pitchFamily="18" charset="0"/>
+                          </a:rPr>
+                          <m:t>𝑉</m:t>
+                        </m:r>
+                      </m:e>
+                      <m:sup>
+                        <m:r>
+                          <a:rPr lang="en-US" b="0" i="1" smtClean="0">
+                            <a:latin typeface="Cambria Math" panose="02040503050406030204" pitchFamily="18" charset="0"/>
+                          </a:rPr>
+                          <m:t>𝑇</m:t>
+                        </m:r>
+                      </m:sup>
+                    </m:sSup>
+                  </m:oMath>
+                </a14:m>
+                <a:endParaRPr lang="en-US" b="0" i="1" dirty="0">
+                  <a:latin typeface="Cambria Math" panose="02040503050406030204" pitchFamily="18" charset="0"/>
+                </a:endParaRPr>
+              </a:p>
+              <a:p>
+                <a:pPr lvl="1"/>
+                <a:r>
+                  <a:rPr lang="en-US" b="0" dirty="0"/>
+                  <a:t>Reconstruct the matrix A</a:t>
+                </a:r>
+                <a14:m>
+                  <m:oMath xmlns:m="http://schemas.openxmlformats.org/officeDocument/2006/math">
+                    <m:r>
+                      <a:rPr lang="en-US" b="0" i="1" smtClean="0">
+                        <a:latin typeface="Cambria Math" panose="02040503050406030204" pitchFamily="18" charset="0"/>
+                      </a:rPr>
+                      <m:t> </m:t>
+                    </m:r>
+                  </m:oMath>
+                </a14:m>
+                <a:endParaRPr lang="en-US" dirty="0"/>
+              </a:p>
+            </p:txBody>
+          </p:sp>
+        </mc:Choice>
+        <mc:Fallback>
+          <p:sp>
+            <p:nvSpPr>
+              <p:cNvPr id="3" name="Content Placeholder 2">
+                <a:extLst>
+                  <a:ext uri="{FF2B5EF4-FFF2-40B4-BE49-F238E27FC236}">
+                    <a16:creationId xmlns:a16="http://schemas.microsoft.com/office/drawing/2014/main" id="{9FD97F17-4A1A-29C4-3786-D2E731027219}"/>
+                  </a:ext>
+                </a:extLst>
+              </p:cNvPr>
+              <p:cNvSpPr>
+                <a:spLocks noGrp="1" noRot="1" noChangeAspect="1" noMove="1" noResize="1" noEditPoints="1" noAdjustHandles="1" noChangeArrowheads="1" noChangeShapeType="1" noTextEdit="1"/>
+              </p:cNvSpPr>
+              <p:nvPr>
+                <p:ph idx="1"/>
+              </p:nvPr>
+            </p:nvSpPr>
+            <p:spPr>
+              <a:blipFill>
+                <a:blip r:embed="rId2"/>
+                <a:stretch>
+                  <a:fillRect l="-1086" t="-2326"/>
+                </a:stretch>
+              </a:blipFill>
+            </p:spPr>
+            <p:txBody>
+              <a:bodyPr/>
+              <a:lstStyle/>
+              <a:p>
+                <a:r>
+                  <a:rPr lang="en-US">
+                    <a:noFill/>
+                  </a:rPr>
+                  <a:t> </a:t>
+                </a:r>
+              </a:p>
+            </p:txBody>
+          </p:sp>
+        </mc:Fallback>
+      </mc:AlternateContent>
+      <p:sp>
+        <p:nvSpPr>
+          <p:cNvPr id="4" name="Footer Placeholder 3">
+            <a:extLst>
+              <a:ext uri="{FF2B5EF4-FFF2-40B4-BE49-F238E27FC236}">
+                <a16:creationId xmlns:a16="http://schemas.microsoft.com/office/drawing/2014/main" id="{CA3C3EEA-6B88-A189-9448-79278E8D5744}"/>
+              </a:ext>
+            </a:extLst>
+          </p:cNvPr>
+          <p:cNvSpPr>
+            <a:spLocks noGrp="1"/>
+          </p:cNvSpPr>
+          <p:nvPr>
+            <p:ph type="ftr" sz="quarter" idx="11"/>
+          </p:nvPr>
+        </p:nvSpPr>
+        <p:spPr/>
+        <p:txBody>
+          <a:bodyPr/>
+          <a:lstStyle/>
+          <a:p>
+            <a:r>
+              <a:rPr lang="en-US"/>
+              <a:t>Davood Wadi</a:t>
+            </a:r>
+          </a:p>
+        </p:txBody>
+      </p:sp>
+      <p:sp>
+        <p:nvSpPr>
+          <p:cNvPr id="5" name="Slide Number Placeholder 4">
+            <a:extLst>
+              <a:ext uri="{FF2B5EF4-FFF2-40B4-BE49-F238E27FC236}">
+                <a16:creationId xmlns:a16="http://schemas.microsoft.com/office/drawing/2014/main" id="{562CA6AE-919E-A5EF-0563-B2CCB1C86B9D}"/>
+              </a:ext>
+            </a:extLst>
+          </p:cNvPr>
+          <p:cNvSpPr>
+            <a:spLocks noGrp="1"/>
+          </p:cNvSpPr>
+          <p:nvPr>
+            <p:ph type="sldNum" sz="quarter" idx="12"/>
+          </p:nvPr>
+        </p:nvSpPr>
+        <p:spPr/>
+        <p:txBody>
+          <a:bodyPr/>
+          <a:lstStyle/>
+          <a:p>
+            <a:fld id="{3675ED69-EEF9-2244-A839-9AD338E45078}" type="slidenum">
+              <a:rPr lang="en-US" smtClean="0"/>
+              <a:t>7</a:t>
+            </a:fld>
+            <a:endParaRPr lang="en-US"/>
+          </a:p>
+        </p:txBody>
+      </p:sp>
+    </p:spTree>
+    <p:extLst>
+      <p:ext uri="{BB962C8B-B14F-4D97-AF65-F5344CB8AC3E}">
+        <p14:creationId xmlns:p14="http://schemas.microsoft.com/office/powerpoint/2010/main" val="88971575"/>
+      </p:ext>
+    </p:extLst>
+  </p:cSld>
+  <p:clrMapOvr>
+    <a:masterClrMapping/>
+  </p:clrMapOvr>
+</p:sld>
+</file>
+
+<file path=ppt/slides/slide8.xml><?xml version="1.0" encoding="utf-8"?>
+<p:sld xmlns:a="http://schemas.openxmlformats.org/drawingml/2006/main" xmlns:r="http://schemas.openxmlformats.org/officeDocument/2006/relationships" xmlns:p="http://schemas.openxmlformats.org/presentationml/2006/main">
+  <p:cSld>
+    <p:spTree>
+      <p:nvGrpSpPr>
+        <p:cNvPr id="1" name=""/>
+        <p:cNvGrpSpPr/>
+        <p:nvPr/>
+      </p:nvGrpSpPr>
+      <p:grpSpPr>
+        <a:xfrm>
+          <a:off x="0" y="0"/>
+          <a:ext cx="0" cy="0"/>
+          <a:chOff x="0" y="0"/>
+          <a:chExt cx="0" cy="0"/>
+        </a:xfrm>
+      </p:grpSpPr>
+      <p:sp>
+        <p:nvSpPr>
+          <p:cNvPr id="2" name="Title 1">
+            <a:extLst>
+              <a:ext uri="{FF2B5EF4-FFF2-40B4-BE49-F238E27FC236}">
+                <a16:creationId xmlns:a16="http://schemas.microsoft.com/office/drawing/2014/main" id="{68ACE384-5CCC-A786-EACD-87DA677EF4A5}"/>
+              </a:ext>
+            </a:extLst>
+          </p:cNvPr>
+          <p:cNvSpPr>
+            <a:spLocks noGrp="1"/>
+          </p:cNvSpPr>
+          <p:nvPr>
+            <p:ph type="title"/>
+          </p:nvPr>
+        </p:nvSpPr>
+        <p:spPr/>
+        <p:txBody>
+          <a:bodyPr/>
+          <a:lstStyle/>
+          <a:p>
+            <a:r>
+              <a:rPr lang="en-US" dirty="0"/>
+              <a:t>Content-based Recommendation</a:t>
+            </a:r>
+          </a:p>
+        </p:txBody>
+      </p:sp>
+      <p:sp>
+        <p:nvSpPr>
+          <p:cNvPr id="3" name="Content Placeholder 2">
+            <a:extLst>
+              <a:ext uri="{FF2B5EF4-FFF2-40B4-BE49-F238E27FC236}">
+                <a16:creationId xmlns:a16="http://schemas.microsoft.com/office/drawing/2014/main" id="{225FC165-CCA1-24B9-C4F2-A94A59AB8930}"/>
+              </a:ext>
+            </a:extLst>
+          </p:cNvPr>
+          <p:cNvSpPr>
+            <a:spLocks noGrp="1"/>
+          </p:cNvSpPr>
+          <p:nvPr>
+            <p:ph idx="1"/>
+          </p:nvPr>
+        </p:nvSpPr>
+        <p:spPr/>
+        <p:txBody>
+          <a:bodyPr/>
+          <a:lstStyle/>
+          <a:p>
+            <a:r>
+              <a:rPr lang="en-US" dirty="0"/>
+              <a:t>Uses item meta-data to find similar items</a:t>
+            </a:r>
+          </a:p>
+          <a:p>
+            <a:pPr lvl="1"/>
+            <a:r>
+              <a:rPr lang="en-US" dirty="0"/>
+              <a:t>Movie plot, cast, genre</a:t>
+            </a:r>
+          </a:p>
+          <a:p>
+            <a:pPr lvl="1"/>
+            <a:r>
+              <a:rPr lang="en-US" dirty="0"/>
+              <a:t>Music singer, producer, lyrics, beat</a:t>
+            </a:r>
+          </a:p>
+          <a:p>
+            <a:pPr lvl="1"/>
+            <a:r>
+              <a:rPr lang="en-US" dirty="0"/>
+              <a:t>Product description</a:t>
+            </a:r>
+          </a:p>
+          <a:p>
+            <a:r>
+              <a:rPr lang="en-US" dirty="0"/>
+              <a:t>No need for interaction matrix</a:t>
+            </a:r>
+          </a:p>
+        </p:txBody>
+      </p:sp>
+      <p:sp>
+        <p:nvSpPr>
+          <p:cNvPr id="4" name="Footer Placeholder 3">
+            <a:extLst>
+              <a:ext uri="{FF2B5EF4-FFF2-40B4-BE49-F238E27FC236}">
+                <a16:creationId xmlns:a16="http://schemas.microsoft.com/office/drawing/2014/main" id="{4F4F3ABC-6DBB-B46E-9496-DF82C303E6F0}"/>
+              </a:ext>
+            </a:extLst>
+          </p:cNvPr>
+          <p:cNvSpPr>
+            <a:spLocks noGrp="1"/>
+          </p:cNvSpPr>
+          <p:nvPr>
+            <p:ph type="ftr" sz="quarter" idx="11"/>
+          </p:nvPr>
+        </p:nvSpPr>
+        <p:spPr/>
+        <p:txBody>
+          <a:bodyPr/>
+          <a:lstStyle/>
+          <a:p>
+            <a:r>
+              <a:rPr lang="en-US"/>
+              <a:t>Davood Wadi</a:t>
+            </a:r>
+          </a:p>
+        </p:txBody>
+      </p:sp>
+      <p:sp>
+        <p:nvSpPr>
+          <p:cNvPr id="5" name="Slide Number Placeholder 4">
+            <a:extLst>
+              <a:ext uri="{FF2B5EF4-FFF2-40B4-BE49-F238E27FC236}">
+                <a16:creationId xmlns:a16="http://schemas.microsoft.com/office/drawing/2014/main" id="{E0BF90F0-A6B0-5A01-278B-996FDE1EC0FC}"/>
+              </a:ext>
+            </a:extLst>
+          </p:cNvPr>
+          <p:cNvSpPr>
+            <a:spLocks noGrp="1"/>
+          </p:cNvSpPr>
+          <p:nvPr>
+            <p:ph type="sldNum" sz="quarter" idx="12"/>
+          </p:nvPr>
+        </p:nvSpPr>
+        <p:spPr/>
+        <p:txBody>
+          <a:bodyPr/>
+          <a:lstStyle/>
+          <a:p>
+            <a:fld id="{3675ED69-EEF9-2244-A839-9AD338E45078}" type="slidenum">
+              <a:rPr lang="en-US" smtClean="0"/>
+              <a:t>8</a:t>
+            </a:fld>
+            <a:endParaRPr lang="en-US"/>
+          </a:p>
+        </p:txBody>
+      </p:sp>
+    </p:spTree>
+    <p:extLst>
+      <p:ext uri="{BB962C8B-B14F-4D97-AF65-F5344CB8AC3E}">
+        <p14:creationId xmlns:p14="http://schemas.microsoft.com/office/powerpoint/2010/main" val="3240407118"/>
+      </p:ext>
+    </p:extLst>
+  </p:cSld>
+  <p:clrMapOvr>
+    <a:masterClrMapping/>
+  </p:clrMapOvr>
+</p:sld>
+</file>
+
+<file path=ppt/slides/slide9.xml><?xml version="1.0" encoding="utf-8"?>
+<p:sld xmlns:a="http://schemas.openxmlformats.org/drawingml/2006/main" xmlns:r="http://schemas.openxmlformats.org/officeDocument/2006/relationships" xmlns:p="http://schemas.openxmlformats.org/presentationml/2006/main">
+  <p:cSld>
+    <p:spTree>
+      <p:nvGrpSpPr>
+        <p:cNvPr id="1" name=""/>
+        <p:cNvGrpSpPr/>
+        <p:nvPr/>
+      </p:nvGrpSpPr>
+      <p:grpSpPr>
+        <a:xfrm>
+          <a:off x="0" y="0"/>
+          <a:ext cx="0" cy="0"/>
+          <a:chOff x="0" y="0"/>
+          <a:chExt cx="0" cy="0"/>
+        </a:xfrm>
+      </p:grpSpPr>
+      <p:sp>
+        <p:nvSpPr>
+          <p:cNvPr id="2" name="Title 1">
+            <a:extLst>
+              <a:ext uri="{FF2B5EF4-FFF2-40B4-BE49-F238E27FC236}">
+                <a16:creationId xmlns:a16="http://schemas.microsoft.com/office/drawing/2014/main" id="{64E46EAF-F599-727D-1FA7-6583E32606AA}"/>
+              </a:ext>
+            </a:extLst>
+          </p:cNvPr>
+          <p:cNvSpPr>
+            <a:spLocks noGrp="1"/>
+          </p:cNvSpPr>
+          <p:nvPr>
+            <p:ph type="title"/>
+          </p:nvPr>
+        </p:nvSpPr>
+        <p:spPr/>
+        <p:txBody>
+          <a:bodyPr/>
+          <a:lstStyle/>
+          <a:p>
+            <a:r>
+              <a:rPr lang="en-US" dirty="0"/>
+              <a:t>Hybrid Recommendation Systems</a:t>
+            </a:r>
+          </a:p>
+        </p:txBody>
+      </p:sp>
+      <p:sp>
+        <p:nvSpPr>
+          <p:cNvPr id="3" name="Content Placeholder 2">
+            <a:extLst>
+              <a:ext uri="{FF2B5EF4-FFF2-40B4-BE49-F238E27FC236}">
+                <a16:creationId xmlns:a16="http://schemas.microsoft.com/office/drawing/2014/main" id="{E7423071-0E71-AA3B-1FC6-CF4B0D56EAFB}"/>
+              </a:ext>
+            </a:extLst>
+          </p:cNvPr>
+          <p:cNvSpPr>
+            <a:spLocks noGrp="1"/>
+          </p:cNvSpPr>
+          <p:nvPr>
+            <p:ph idx="1"/>
+          </p:nvPr>
+        </p:nvSpPr>
+        <p:spPr/>
+        <p:txBody>
+          <a:bodyPr/>
+          <a:lstStyle/>
+          <a:p>
+            <a:r>
+              <a:rPr lang="en-US" dirty="0"/>
+              <a:t>Combining multiple RS methods (ensemble)</a:t>
+            </a:r>
+          </a:p>
+          <a:p>
+            <a:r>
+              <a:rPr lang="en-US" dirty="0"/>
+              <a:t>More robust than </a:t>
+            </a:r>
+            <a:r>
+              <a:rPr lang="en-US"/>
+              <a:t>a single method</a:t>
+            </a:r>
+            <a:endParaRPr lang="en-US" dirty="0"/>
+          </a:p>
+        </p:txBody>
+      </p:sp>
+      <p:sp>
+        <p:nvSpPr>
+          <p:cNvPr id="4" name="Footer Placeholder 3">
+            <a:extLst>
+              <a:ext uri="{FF2B5EF4-FFF2-40B4-BE49-F238E27FC236}">
+                <a16:creationId xmlns:a16="http://schemas.microsoft.com/office/drawing/2014/main" id="{B737FE80-C17A-3411-8782-AFB5EE5CAE8E}"/>
+              </a:ext>
+            </a:extLst>
+          </p:cNvPr>
+          <p:cNvSpPr>
+            <a:spLocks noGrp="1"/>
+          </p:cNvSpPr>
+          <p:nvPr>
+            <p:ph type="ftr" sz="quarter" idx="11"/>
+          </p:nvPr>
+        </p:nvSpPr>
+        <p:spPr/>
+        <p:txBody>
+          <a:bodyPr/>
+          <a:lstStyle/>
+          <a:p>
+            <a:r>
+              <a:rPr lang="en-US"/>
+              <a:t>Davood Wadi</a:t>
+            </a:r>
+          </a:p>
+        </p:txBody>
+      </p:sp>
+      <p:sp>
+        <p:nvSpPr>
+          <p:cNvPr id="5" name="Slide Number Placeholder 4">
+            <a:extLst>
+              <a:ext uri="{FF2B5EF4-FFF2-40B4-BE49-F238E27FC236}">
+                <a16:creationId xmlns:a16="http://schemas.microsoft.com/office/drawing/2014/main" id="{B3976BD8-8D88-FA20-9D91-612DC8022E02}"/>
+              </a:ext>
+            </a:extLst>
+          </p:cNvPr>
+          <p:cNvSpPr>
+            <a:spLocks noGrp="1"/>
+          </p:cNvSpPr>
+          <p:nvPr>
+            <p:ph type="sldNum" sz="quarter" idx="12"/>
+          </p:nvPr>
+        </p:nvSpPr>
+        <p:spPr/>
+        <p:txBody>
+          <a:bodyPr/>
+          <a:lstStyle/>
+          <a:p>
+            <a:fld id="{3675ED69-EEF9-2244-A839-9AD338E45078}" type="slidenum">
+              <a:rPr lang="en-US" smtClean="0"/>
+              <a:t>9</a:t>
+            </a:fld>
+            <a:endParaRPr lang="en-US"/>
+          </a:p>
+        </p:txBody>
+      </p:sp>
+      <p:pic>
+        <p:nvPicPr>
+          <p:cNvPr id="6" name="Picture 2" descr="A Comprehensive Guide on Recommendation Engines and Implementation">
+            <a:extLst>
+              <a:ext uri="{FF2B5EF4-FFF2-40B4-BE49-F238E27FC236}">
+                <a16:creationId xmlns:a16="http://schemas.microsoft.com/office/drawing/2014/main" id="{4908EB75-761C-FABC-8E92-10EC91F420CF}"/>
+              </a:ext>
+            </a:extLst>
+          </p:cNvPr>
+          <p:cNvPicPr>
+            <a:picLocks noChangeAspect="1" noChangeArrowheads="1"/>
+          </p:cNvPicPr>
+          <p:nvPr/>
+        </p:nvPicPr>
+        <p:blipFill>
+          <a:blip r:embed="rId2">
+            <a:extLst>
+              <a:ext uri="{28A0092B-C50C-407E-A947-70E740481C1C}">
+                <a14:useLocalDpi xmlns:a14="http://schemas.microsoft.com/office/drawing/2010/main" val="0"/>
+              </a:ext>
+            </a:extLst>
+          </a:blip>
+          <a:srcRect/>
+          <a:stretch>
+            <a:fillRect/>
+          </a:stretch>
+        </p:blipFill>
+        <p:spPr bwMode="auto">
+          <a:xfrm>
+            <a:off x="5726284" y="3219718"/>
+            <a:ext cx="5271916" cy="2984232"/>
+          </a:xfrm>
+          <a:prstGeom prst="rect">
+            <a:avLst/>
+          </a:prstGeom>
+          <a:noFill/>
+          <a:extLst>
+            <a:ext uri="{909E8E84-426E-40DD-AFC4-6F175D3DCCD1}">
+              <a14:hiddenFill xmlns:a14="http://schemas.microsoft.com/office/drawing/2010/main">
+                <a:solidFill>
+                  <a:srgbClr val="FFFFFF"/>
+                </a:solidFill>
+              </a14:hiddenFill>
+            </a:ext>
+          </a:extLst>
+        </p:spPr>
+      </p:pic>
+      <p:sp>
+        <p:nvSpPr>
+          <p:cNvPr id="7" name="TextBox 6">
+            <a:extLst>
+              <a:ext uri="{FF2B5EF4-FFF2-40B4-BE49-F238E27FC236}">
+                <a16:creationId xmlns:a16="http://schemas.microsoft.com/office/drawing/2014/main" id="{A0B2593B-D9F6-0463-974B-BCF2749B904D}"/>
+              </a:ext>
+            </a:extLst>
+          </p:cNvPr>
+          <p:cNvSpPr txBox="1"/>
+          <p:nvPr/>
+        </p:nvSpPr>
+        <p:spPr>
+          <a:xfrm>
+            <a:off x="650696" y="6488668"/>
+            <a:ext cx="2428428" cy="369332"/>
+          </a:xfrm>
+          <a:prstGeom prst="rect">
+            <a:avLst/>
+          </a:prstGeom>
+          <a:noFill/>
+        </p:spPr>
+        <p:txBody>
+          <a:bodyPr wrap="square" rtlCol="0">
+            <a:spAutoFit/>
+          </a:bodyPr>
+          <a:lstStyle/>
+          <a:p>
+            <a:r>
+              <a:rPr lang="en-US" dirty="0"/>
+              <a:t>Source: </a:t>
+            </a:r>
+            <a:r>
+              <a:rPr lang="en-US" dirty="0">
+                <a:hlinkClick r:id="rId3"/>
+              </a:rPr>
+              <a:t>1</a:t>
+            </a:r>
+            <a:endParaRPr lang="en-US" dirty="0"/>
+          </a:p>
+        </p:txBody>
+      </p:sp>
+    </p:spTree>
+    <p:extLst>
+      <p:ext uri="{BB962C8B-B14F-4D97-AF65-F5344CB8AC3E}">
+        <p14:creationId xmlns:p14="http://schemas.microsoft.com/office/powerpoint/2010/main" val="1272876621"/>
       </p:ext>
     </p:extLst>
   </p:cSld>

--- a/RS/RS_slides.pptx
+++ b/RS/RS_slides.pptx
@@ -5542,13 +5542,8 @@
           <a:p>
             <a:r>
               <a:rPr lang="en-US" dirty="0"/>
-              <a:t>More robust than </a:t>
-            </a:r>
-            <a:r>
-              <a:rPr lang="en-US"/>
-              <a:t>a single method</a:t>
-            </a:r>
-            <a:endParaRPr lang="en-US" dirty="0"/>
+              <a:t>More robust than a single method</a:t>
+            </a:r>
           </a:p>
         </p:txBody>
       </p:sp>
